--- a/GGS621/gcamextractor/Assignment_Week4_Jiseok AHN.pptx
+++ b/GGS621/gcamextractor/Assignment_Week4_Jiseok AHN.pptx
@@ -5,17 +5,14 @@
     <p:sldMasterId id="2147483648" r:id="rId1"/>
   </p:sldMasterIdLst>
   <p:notesMasterIdLst>
-    <p:notesMasterId r:id="rId10"/>
+    <p:notesMasterId r:id="rId7"/>
   </p:notesMasterIdLst>
   <p:sldIdLst>
     <p:sldId id="256" r:id="rId2"/>
     <p:sldId id="262" r:id="rId3"/>
-    <p:sldId id="269" r:id="rId4"/>
-    <p:sldId id="267" r:id="rId5"/>
-    <p:sldId id="259" r:id="rId6"/>
-    <p:sldId id="261" r:id="rId7"/>
-    <p:sldId id="265" r:id="rId8"/>
-    <p:sldId id="268" r:id="rId9"/>
+    <p:sldId id="270" r:id="rId4"/>
+    <p:sldId id="269" r:id="rId5"/>
+    <p:sldId id="271" r:id="rId6"/>
   </p:sldIdLst>
   <p:sldSz cx="12192000" cy="6858000"/>
   <p:notesSz cx="6858000" cy="9144000"/>
@@ -204,7 +201,7 @@
           <a:p>
             <a:fld id="{709862C1-D7DC-4414-9023-C20CA71B82F5}" type="datetimeFigureOut">
               <a:rPr lang="ko-KR" altLang="en-US" smtClean="0"/>
-              <a:t>2023-09-19</a:t>
+              <a:t>2023-10-03</a:t>
             </a:fld>
             <a:endParaRPr lang="ko-KR" altLang="en-US"/>
           </a:p>
@@ -618,7 +615,7 @@
           <a:p>
             <a:fld id="{B8CBC754-F403-403C-B916-A7AF2A86B878}" type="datetime1">
               <a:rPr lang="ko-KR" altLang="en-US" smtClean="0"/>
-              <a:t>2023-09-19</a:t>
+              <a:t>2023-10-03</a:t>
             </a:fld>
             <a:endParaRPr lang="ko-KR" altLang="en-US"/>
           </a:p>
@@ -816,7 +813,7 @@
           <a:p>
             <a:fld id="{BF4AB99B-7D9F-4CEB-8E7D-0B21AC0C5F42}" type="datetime1">
               <a:rPr lang="ko-KR" altLang="en-US" smtClean="0"/>
-              <a:t>2023-09-19</a:t>
+              <a:t>2023-10-03</a:t>
             </a:fld>
             <a:endParaRPr lang="ko-KR" altLang="en-US"/>
           </a:p>
@@ -1024,7 +1021,7 @@
           <a:p>
             <a:fld id="{0C0902B2-B378-409E-B52C-174AFDC2D3AF}" type="datetime1">
               <a:rPr lang="ko-KR" altLang="en-US" smtClean="0"/>
-              <a:t>2023-09-19</a:t>
+              <a:t>2023-10-03</a:t>
             </a:fld>
             <a:endParaRPr lang="ko-KR" altLang="en-US"/>
           </a:p>
@@ -1222,7 +1219,7 @@
           <a:p>
             <a:fld id="{4905C80D-9AB6-467E-B177-E2A7E9AC66A6}" type="datetime1">
               <a:rPr lang="ko-KR" altLang="en-US" smtClean="0"/>
-              <a:t>2023-09-19</a:t>
+              <a:t>2023-10-03</a:t>
             </a:fld>
             <a:endParaRPr lang="ko-KR" altLang="en-US"/>
           </a:p>
@@ -1497,7 +1494,7 @@
           <a:p>
             <a:fld id="{221CB733-D165-4907-BEB0-C8B9A19A67D3}" type="datetime1">
               <a:rPr lang="ko-KR" altLang="en-US" smtClean="0"/>
-              <a:t>2023-09-19</a:t>
+              <a:t>2023-10-03</a:t>
             </a:fld>
             <a:endParaRPr lang="ko-KR" altLang="en-US"/>
           </a:p>
@@ -1762,7 +1759,7 @@
           <a:p>
             <a:fld id="{78452A59-DCA0-461E-A4E4-F4D1B0CD9613}" type="datetime1">
               <a:rPr lang="ko-KR" altLang="en-US" smtClean="0"/>
-              <a:t>2023-09-19</a:t>
+              <a:t>2023-10-03</a:t>
             </a:fld>
             <a:endParaRPr lang="ko-KR" altLang="en-US"/>
           </a:p>
@@ -2174,7 +2171,7 @@
           <a:p>
             <a:fld id="{3BABBC09-3ABA-4FE3-978C-269E4611FEE9}" type="datetime1">
               <a:rPr lang="ko-KR" altLang="en-US" smtClean="0"/>
-              <a:t>2023-09-19</a:t>
+              <a:t>2023-10-03</a:t>
             </a:fld>
             <a:endParaRPr lang="ko-KR" altLang="en-US"/>
           </a:p>
@@ -2315,7 +2312,7 @@
           <a:p>
             <a:fld id="{04BFA9A4-902D-4246-871D-CC44969FB96D}" type="datetime1">
               <a:rPr lang="ko-KR" altLang="en-US" smtClean="0"/>
-              <a:t>2023-09-19</a:t>
+              <a:t>2023-10-03</a:t>
             </a:fld>
             <a:endParaRPr lang="ko-KR" altLang="en-US"/>
           </a:p>
@@ -2428,7 +2425,7 @@
           <a:p>
             <a:fld id="{C5056263-2D09-46C0-B989-9F60D27696D2}" type="datetime1">
               <a:rPr lang="ko-KR" altLang="en-US" smtClean="0"/>
-              <a:t>2023-09-19</a:t>
+              <a:t>2023-10-03</a:t>
             </a:fld>
             <a:endParaRPr lang="ko-KR" altLang="en-US"/>
           </a:p>
@@ -2739,7 +2736,7 @@
           <a:p>
             <a:fld id="{3F2A1979-9DAE-408D-8A33-A9477FF7EAAC}" type="datetime1">
               <a:rPr lang="ko-KR" altLang="en-US" smtClean="0"/>
-              <a:t>2023-09-19</a:t>
+              <a:t>2023-10-03</a:t>
             </a:fld>
             <a:endParaRPr lang="ko-KR" altLang="en-US"/>
           </a:p>
@@ -3027,7 +3024,7 @@
           <a:p>
             <a:fld id="{748ECCF5-C974-456C-B72A-F4078431BB61}" type="datetime1">
               <a:rPr lang="ko-KR" altLang="en-US" smtClean="0"/>
-              <a:t>2023-09-19</a:t>
+              <a:t>2023-10-03</a:t>
             </a:fld>
             <a:endParaRPr lang="ko-KR" altLang="en-US"/>
           </a:p>
@@ -3268,7 +3265,7 @@
           <a:p>
             <a:fld id="{A6CEDD77-2FB4-4C72-8D17-54C79A82AAD1}" type="datetime1">
               <a:rPr lang="ko-KR" altLang="en-US" smtClean="0"/>
-              <a:t>2023-09-19</a:t>
+              <a:t>2023-10-03</a:t>
             </a:fld>
             <a:endParaRPr lang="ko-KR" altLang="en-US"/>
           </a:p>
@@ -3717,7 +3714,7 @@
                 <a:latin typeface="Gowun Batang" pitchFamily="2" charset="-127"/>
                 <a:ea typeface="Gowun Batang" pitchFamily="2" charset="-127"/>
               </a:rPr>
-              <a:t>GCAM Assignment #2</a:t>
+              <a:t>GCAM Assignment #4</a:t>
             </a:r>
             <a:endParaRPr lang="ko-KR" altLang="en-US" dirty="0">
               <a:latin typeface="Gowun Batang" pitchFamily="2" charset="-127"/>
@@ -3768,19 +3765,8 @@
                 <a:latin typeface="Gowun Batang" pitchFamily="2" charset="-127"/>
                 <a:ea typeface="Gowun Batang" pitchFamily="2" charset="-127"/>
               </a:rPr>
-              <a:t>ITM 20235575 </a:t>
-            </a:r>
-            <a:r>
-              <a:rPr lang="ko-KR" altLang="en-US" dirty="0">
-                <a:latin typeface="Gowun Batang" pitchFamily="2" charset="-127"/>
-                <a:ea typeface="Gowun Batang" pitchFamily="2" charset="-127"/>
-              </a:rPr>
-              <a:t>안지석</a:t>
-            </a:r>
-            <a:endParaRPr lang="en-US" altLang="ko-KR" dirty="0">
-              <a:latin typeface="Gowun Batang" pitchFamily="2" charset="-127"/>
-              <a:ea typeface="Gowun Batang" pitchFamily="2" charset="-127"/>
-            </a:endParaRPr>
+              <a:t>ITM 20235575 Jiseok AHN</a:t>
+            </a:r>
           </a:p>
         </p:txBody>
       </p:sp>
@@ -3858,7 +3844,7 @@
         <p:spPr>
           <a:xfrm>
             <a:off x="416169" y="1371600"/>
-            <a:ext cx="11220018" cy="3108543"/>
+            <a:ext cx="11220018" cy="3539430"/>
           </a:xfrm>
           <a:prstGeom prst="rect">
             <a:avLst/>
@@ -3876,12 +3862,82 @@
               <a:buChar char="-"/>
             </a:pPr>
             <a:r>
-              <a:rPr lang="en-US" altLang="ko-KR" sz="2800" dirty="0">
+              <a:rPr lang="en-US" altLang="ko-KR" sz="2400" dirty="0">
                 <a:latin typeface="Gowun Batang" pitchFamily="2" charset="-127"/>
                 <a:ea typeface="Gowun Batang" pitchFamily="2" charset="-127"/>
               </a:rPr>
-              <a:t>I ran three different scenarios(Reference, cap, tax) using the given  material for GCAM assignment 2. </a:t>
-            </a:r>
+              <a:t>I ran two different scenarios(with tax, without tax) using the given material for GCAM assignment 2(carbon_tax_25_5_mod.xml file)</a:t>
+            </a:r>
+          </a:p>
+          <a:p>
+            <a:pPr marL="457200" indent="-457200">
+              <a:buFontTx/>
+              <a:buChar char="-"/>
+            </a:pPr>
+            <a:endParaRPr lang="en-US" altLang="ko-KR" sz="2400" dirty="0">
+              <a:latin typeface="Gowun Batang" pitchFamily="2" charset="-127"/>
+              <a:ea typeface="Gowun Batang" pitchFamily="2" charset="-127"/>
+            </a:endParaRPr>
+          </a:p>
+          <a:p>
+            <a:pPr marL="457200" indent="-457200">
+              <a:buFontTx/>
+              <a:buChar char="-"/>
+            </a:pPr>
+            <a:r>
+              <a:rPr lang="en-US" altLang="ko-KR" sz="2400" dirty="0">
+                <a:latin typeface="Gowun Batang" pitchFamily="2" charset="-127"/>
+                <a:ea typeface="Gowun Batang" pitchFamily="2" charset="-127"/>
+              </a:rPr>
+              <a:t>When trying to import the DB data into R using </a:t>
+            </a:r>
+            <a:r>
+              <a:rPr lang="en-US" altLang="ko-KR" sz="2400" dirty="0" err="1">
+                <a:latin typeface="Gowun Batang" pitchFamily="2" charset="-127"/>
+                <a:ea typeface="Gowun Batang" pitchFamily="2" charset="-127"/>
+              </a:rPr>
+              <a:t>gcamextractor</a:t>
+            </a:r>
+            <a:r>
+              <a:rPr lang="en-US" altLang="ko-KR" sz="2400" dirty="0">
+                <a:latin typeface="Gowun Batang" pitchFamily="2" charset="-127"/>
+                <a:ea typeface="Gowun Batang" pitchFamily="2" charset="-127"/>
+              </a:rPr>
+              <a:t>, error occurs. </a:t>
+            </a:r>
+          </a:p>
+          <a:p>
+            <a:pPr marL="457200" indent="-457200">
+              <a:buFontTx/>
+              <a:buChar char="-"/>
+            </a:pPr>
+            <a:endParaRPr lang="en-US" altLang="ko-KR" sz="2400" dirty="0">
+              <a:latin typeface="Gowun Batang" pitchFamily="2" charset="-127"/>
+              <a:ea typeface="Gowun Batang" pitchFamily="2" charset="-127"/>
+            </a:endParaRPr>
+          </a:p>
+          <a:p>
+            <a:pPr marL="457200" indent="-457200">
+              <a:buFontTx/>
+              <a:buChar char="-"/>
+            </a:pPr>
+            <a:r>
+              <a:rPr lang="en-US" altLang="ko-KR" sz="2400" dirty="0">
+                <a:latin typeface="Gowun Batang" pitchFamily="2" charset="-127"/>
+                <a:ea typeface="Gowun Batang" pitchFamily="2" charset="-127"/>
+              </a:rPr>
+              <a:t>The plots from this assignment are done with the combination of model interface, excel, and R ggplot2.</a:t>
+            </a:r>
+          </a:p>
+          <a:p>
+            <a:pPr marL="457200" indent="-457200">
+              <a:buFontTx/>
+              <a:buChar char="-"/>
+            </a:pPr>
+            <a:endParaRPr lang="en-US" altLang="ko-KR" sz="2800" b="1" dirty="0">
+              <a:latin typeface="Gowun Batang" pitchFamily="2" charset="-127"/>
+              <a:ea typeface="Gowun Batang" pitchFamily="2" charset="-127"/>
+            </a:endParaRPr>
           </a:p>
           <a:p>
             <a:pPr marL="457200" indent="-457200">
@@ -3893,84 +3949,6 @@
               <a:ea typeface="Gowun Batang" pitchFamily="2" charset="-127"/>
             </a:endParaRPr>
           </a:p>
-          <a:p>
-            <a:pPr marL="457200" indent="-457200">
-              <a:buFontTx/>
-              <a:buChar char="-"/>
-            </a:pPr>
-            <a:r>
-              <a:rPr lang="en-US" altLang="ko-KR" sz="2800" dirty="0">
-                <a:latin typeface="Gowun Batang" pitchFamily="2" charset="-127"/>
-                <a:ea typeface="Gowun Batang" pitchFamily="2" charset="-127"/>
-              </a:rPr>
-              <a:t>To plot the results, used R library called </a:t>
-            </a:r>
-            <a:r>
-              <a:rPr lang="en-US" altLang="ko-KR" sz="2800" dirty="0" err="1">
-                <a:latin typeface="Gowun Batang" pitchFamily="2" charset="-127"/>
-                <a:ea typeface="Gowun Batang" pitchFamily="2" charset="-127"/>
-              </a:rPr>
-              <a:t>gcamextractor</a:t>
-            </a:r>
-            <a:r>
-              <a:rPr lang="en-US" altLang="ko-KR" sz="2800" dirty="0">
-                <a:latin typeface="Gowun Batang" pitchFamily="2" charset="-127"/>
-                <a:ea typeface="Gowun Batang" pitchFamily="2" charset="-127"/>
-              </a:rPr>
-              <a:t>.</a:t>
-            </a:r>
-          </a:p>
-          <a:p>
-            <a:pPr marL="457200" indent="-457200">
-              <a:buFontTx/>
-              <a:buChar char="-"/>
-            </a:pPr>
-            <a:endParaRPr lang="en-US" altLang="ko-KR" sz="2800" dirty="0">
-              <a:latin typeface="Gowun Batang" pitchFamily="2" charset="-127"/>
-              <a:ea typeface="Gowun Batang" pitchFamily="2" charset="-127"/>
-            </a:endParaRPr>
-          </a:p>
-          <a:p>
-            <a:pPr marL="457200" indent="-457200">
-              <a:buFontTx/>
-              <a:buChar char="-"/>
-            </a:pPr>
-            <a:r>
-              <a:rPr lang="en-US" altLang="ko-KR" sz="2800" dirty="0">
-                <a:latin typeface="Gowun Batang" pitchFamily="2" charset="-127"/>
-                <a:ea typeface="Gowun Batang" pitchFamily="2" charset="-127"/>
-              </a:rPr>
-              <a:t>After data is imported to R with </a:t>
-            </a:r>
-            <a:r>
-              <a:rPr lang="en-US" altLang="ko-KR" sz="2800" dirty="0" err="1">
-                <a:latin typeface="Gowun Batang" pitchFamily="2" charset="-127"/>
-                <a:ea typeface="Gowun Batang" pitchFamily="2" charset="-127"/>
-              </a:rPr>
-              <a:t>gcamextractor</a:t>
-            </a:r>
-            <a:r>
-              <a:rPr lang="en-US" altLang="ko-KR" sz="2800" dirty="0">
-                <a:latin typeface="Gowun Batang" pitchFamily="2" charset="-127"/>
-                <a:ea typeface="Gowun Batang" pitchFamily="2" charset="-127"/>
-              </a:rPr>
-              <a:t>, wrote a function to </a:t>
-            </a:r>
-            <a:r>
-              <a:rPr lang="en-US" altLang="ko-KR" sz="2800">
-                <a:latin typeface="Gowun Batang" pitchFamily="2" charset="-127"/>
-                <a:ea typeface="Gowun Batang" pitchFamily="2" charset="-127"/>
-              </a:rPr>
-              <a:t>plot results </a:t>
-            </a:r>
-            <a:r>
-              <a:rPr lang="en-US" altLang="ko-KR" sz="2800" dirty="0">
-                <a:latin typeface="Gowun Batang" pitchFamily="2" charset="-127"/>
-                <a:ea typeface="Gowun Batang" pitchFamily="2" charset="-127"/>
-              </a:rPr>
-              <a:t>for different parameters. </a:t>
-            </a:r>
-          </a:p>
         </p:txBody>
       </p:sp>
       <p:sp>
@@ -4006,7 +3984,7 @@
                 <a:latin typeface="Gowun Batang" pitchFamily="2" charset="-127"/>
                 <a:ea typeface="Gowun Batang" pitchFamily="2" charset="-127"/>
               </a:rPr>
-              <a:t>Intro</a:t>
+              <a:t>Model assumption</a:t>
             </a:r>
             <a:endParaRPr lang="ko-KR" altLang="en-US" sz="4400" dirty="0">
               <a:latin typeface="Gowun Batang" pitchFamily="2" charset="-127"/>
@@ -4044,6 +4022,36 @@
           </a:p>
         </p:txBody>
       </p:sp>
+      <p:pic>
+        <p:nvPicPr>
+          <p:cNvPr id="5" name="그림 4">
+            <a:extLst>
+              <a:ext uri="{FF2B5EF4-FFF2-40B4-BE49-F238E27FC236}">
+                <a16:creationId xmlns:a16="http://schemas.microsoft.com/office/drawing/2014/main" id="{8DB785B7-D7AA-47A3-8957-83D243121AA5}"/>
+              </a:ext>
+            </a:extLst>
+          </p:cNvPr>
+          <p:cNvPicPr>
+            <a:picLocks noChangeAspect="1"/>
+          </p:cNvPicPr>
+          <p:nvPr/>
+        </p:nvPicPr>
+        <p:blipFill>
+          <a:blip r:embed="rId2"/>
+          <a:stretch>
+            <a:fillRect/>
+          </a:stretch>
+        </p:blipFill>
+        <p:spPr>
+          <a:xfrm>
+            <a:off x="5730343" y="4101096"/>
+            <a:ext cx="5359675" cy="2463927"/>
+          </a:xfrm>
+          <a:prstGeom prst="rect">
+            <a:avLst/>
+          </a:prstGeom>
+        </p:spPr>
+      </p:pic>
     </p:spTree>
     <p:extLst>
       <p:ext uri="{BB962C8B-B14F-4D97-AF65-F5344CB8AC3E}">
@@ -4076,10 +4084,118 @@
       </p:grpSpPr>
       <p:sp>
         <p:nvSpPr>
-          <p:cNvPr id="14" name="TextBox 13">
-            <a:extLst>
-              <a:ext uri="{FF2B5EF4-FFF2-40B4-BE49-F238E27FC236}">
-                <a16:creationId xmlns:a16="http://schemas.microsoft.com/office/drawing/2014/main" id="{0BF23D46-A077-451D-8F38-546CB2D2A729}"/>
+          <p:cNvPr id="2" name="제목 1">
+            <a:extLst>
+              <a:ext uri="{FF2B5EF4-FFF2-40B4-BE49-F238E27FC236}">
+                <a16:creationId xmlns:a16="http://schemas.microsoft.com/office/drawing/2014/main" id="{11D2B000-75F2-4B26-A9D4-73447CBD3863}"/>
+              </a:ext>
+            </a:extLst>
+          </p:cNvPr>
+          <p:cNvSpPr>
+            <a:spLocks noGrp="1"/>
+          </p:cNvSpPr>
+          <p:nvPr>
+            <p:ph type="ctrTitle"/>
+          </p:nvPr>
+        </p:nvSpPr>
+        <p:spPr>
+          <a:xfrm>
+            <a:off x="416169" y="137869"/>
+            <a:ext cx="11359661" cy="954107"/>
+          </a:xfrm>
+        </p:spPr>
+        <p:txBody>
+          <a:bodyPr>
+            <a:normAutofit/>
+          </a:bodyPr>
+          <a:lstStyle/>
+          <a:p>
+            <a:r>
+              <a:rPr lang="en-US" altLang="ko-KR" sz="2800" dirty="0" err="1">
+                <a:latin typeface="Gowun Batang" pitchFamily="2" charset="-127"/>
+                <a:ea typeface="Gowun Batang" pitchFamily="2" charset="-127"/>
+              </a:rPr>
+              <a:t>Gloally</a:t>
+            </a:r>
+            <a:r>
+              <a:rPr lang="en-US" altLang="ko-KR" sz="2800" dirty="0">
+                <a:latin typeface="Gowun Batang" pitchFamily="2" charset="-127"/>
+                <a:ea typeface="Gowun Batang" pitchFamily="2" charset="-127"/>
+              </a:rPr>
+              <a:t>, how much energy carbon emissions reductions achieved under each policy design? How much LUC emissions reductions achieved?</a:t>
+            </a:r>
+            <a:endParaRPr lang="ko-KR" altLang="en-US" sz="2800" dirty="0">
+              <a:latin typeface="Gowun Batang" pitchFamily="2" charset="-127"/>
+              <a:ea typeface="Gowun Batang" pitchFamily="2" charset="-127"/>
+            </a:endParaRPr>
+          </a:p>
+        </p:txBody>
+      </p:sp>
+      <p:sp>
+        <p:nvSpPr>
+          <p:cNvPr id="3" name="슬라이드 번호 개체 틀 2">
+            <a:extLst>
+              <a:ext uri="{FF2B5EF4-FFF2-40B4-BE49-F238E27FC236}">
+                <a16:creationId xmlns:a16="http://schemas.microsoft.com/office/drawing/2014/main" id="{22A7A6A2-15EF-4DD0-B10C-99E508935D5E}"/>
+              </a:ext>
+            </a:extLst>
+          </p:cNvPr>
+          <p:cNvSpPr>
+            <a:spLocks noGrp="1"/>
+          </p:cNvSpPr>
+          <p:nvPr>
+            <p:ph type="sldNum" sz="quarter" idx="12"/>
+          </p:nvPr>
+        </p:nvSpPr>
+        <p:spPr/>
+        <p:txBody>
+          <a:bodyPr/>
+          <a:lstStyle/>
+          <a:p>
+            <a:fld id="{21B4BBCE-2797-41B5-8BA4-105457AB5E7A}" type="slidenum">
+              <a:rPr lang="ko-KR" altLang="en-US" smtClean="0"/>
+              <a:t>3</a:t>
+            </a:fld>
+            <a:endParaRPr lang="ko-KR" altLang="en-US"/>
+          </a:p>
+        </p:txBody>
+      </p:sp>
+      <p:pic>
+        <p:nvPicPr>
+          <p:cNvPr id="5" name="그림 4">
+            <a:extLst>
+              <a:ext uri="{FF2B5EF4-FFF2-40B4-BE49-F238E27FC236}">
+                <a16:creationId xmlns:a16="http://schemas.microsoft.com/office/drawing/2014/main" id="{D6786C74-E433-43B6-8938-3729E3C781F8}"/>
+              </a:ext>
+            </a:extLst>
+          </p:cNvPr>
+          <p:cNvPicPr>
+            <a:picLocks noChangeAspect="1"/>
+          </p:cNvPicPr>
+          <p:nvPr/>
+        </p:nvPicPr>
+        <p:blipFill>
+          <a:blip r:embed="rId2"/>
+          <a:stretch>
+            <a:fillRect/>
+          </a:stretch>
+        </p:blipFill>
+        <p:spPr>
+          <a:xfrm>
+            <a:off x="749024" y="2015041"/>
+            <a:ext cx="10693950" cy="3988005"/>
+          </a:xfrm>
+          <a:prstGeom prst="rect">
+            <a:avLst/>
+          </a:prstGeom>
+        </p:spPr>
+      </p:pic>
+      <p:sp>
+        <p:nvSpPr>
+          <p:cNvPr id="7" name="TextBox 6">
+            <a:extLst>
+              <a:ext uri="{FF2B5EF4-FFF2-40B4-BE49-F238E27FC236}">
+                <a16:creationId xmlns:a16="http://schemas.microsoft.com/office/drawing/2014/main" id="{D1174037-DFCD-4045-A29B-C4FEEBFBA5EC}"/>
               </a:ext>
             </a:extLst>
           </p:cNvPr>
@@ -4089,7 +4205,7 @@
         <p:spPr>
           <a:xfrm>
             <a:off x="416169" y="1371600"/>
-            <a:ext cx="11220018" cy="954107"/>
+            <a:ext cx="11220018" cy="523220"/>
           </a:xfrm>
           <a:prstGeom prst="rect">
             <a:avLst/>
@@ -4107,122 +4223,26 @@
                 <a:latin typeface="Gowun Batang" pitchFamily="2" charset="-127"/>
                 <a:ea typeface="Gowun Batang" pitchFamily="2" charset="-127"/>
               </a:rPr>
-              <a:t>Compared to Reference scenario, cap and scenario showed that GHG emission from coal declines. </a:t>
-            </a:r>
-          </a:p>
-        </p:txBody>
-      </p:sp>
-      <p:sp>
-        <p:nvSpPr>
-          <p:cNvPr id="2" name="제목 1">
-            <a:extLst>
-              <a:ext uri="{FF2B5EF4-FFF2-40B4-BE49-F238E27FC236}">
-                <a16:creationId xmlns:a16="http://schemas.microsoft.com/office/drawing/2014/main" id="{11D2B000-75F2-4B26-A9D4-73447CBD3863}"/>
-              </a:ext>
-            </a:extLst>
-          </p:cNvPr>
-          <p:cNvSpPr>
-            <a:spLocks noGrp="1"/>
-          </p:cNvSpPr>
-          <p:nvPr>
-            <p:ph type="ctrTitle"/>
-          </p:nvPr>
-        </p:nvSpPr>
-        <p:spPr>
-          <a:xfrm>
-            <a:off x="416169" y="137869"/>
-            <a:ext cx="11359661" cy="811701"/>
-          </a:xfrm>
-        </p:spPr>
-        <p:txBody>
-          <a:bodyPr>
-            <a:normAutofit fontScale="90000"/>
-          </a:bodyPr>
-          <a:lstStyle/>
-          <a:p>
-            <a:r>
-              <a:rPr lang="en-US" altLang="ko-KR" sz="4400" dirty="0">
+              <a:t>- </a:t>
+            </a:r>
+            <a:r>
+              <a:rPr lang="en-US" altLang="ko-KR" sz="2000" dirty="0">
                 <a:latin typeface="Gowun Batang" pitchFamily="2" charset="-127"/>
                 <a:ea typeface="Gowun Batang" pitchFamily="2" charset="-127"/>
               </a:rPr>
-              <a:t>Where do CO2 emission reductions come from?</a:t>
-            </a:r>
-            <a:endParaRPr lang="ko-KR" altLang="en-US" sz="4400" dirty="0">
+              <a:t>With land taxation, global net CO2 emission goes to zero in 2010.</a:t>
+            </a:r>
+            <a:endParaRPr lang="en-US" altLang="ko-KR" sz="2800" dirty="0">
               <a:latin typeface="Gowun Batang" pitchFamily="2" charset="-127"/>
               <a:ea typeface="Gowun Batang" pitchFamily="2" charset="-127"/>
             </a:endParaRPr>
           </a:p>
         </p:txBody>
       </p:sp>
-      <p:sp>
-        <p:nvSpPr>
-          <p:cNvPr id="3" name="슬라이드 번호 개체 틀 2">
-            <a:extLst>
-              <a:ext uri="{FF2B5EF4-FFF2-40B4-BE49-F238E27FC236}">
-                <a16:creationId xmlns:a16="http://schemas.microsoft.com/office/drawing/2014/main" id="{22A7A6A2-15EF-4DD0-B10C-99E508935D5E}"/>
-              </a:ext>
-            </a:extLst>
-          </p:cNvPr>
-          <p:cNvSpPr>
-            <a:spLocks noGrp="1"/>
-          </p:cNvSpPr>
-          <p:nvPr>
-            <p:ph type="sldNum" sz="quarter" idx="12"/>
-          </p:nvPr>
-        </p:nvSpPr>
-        <p:spPr/>
-        <p:txBody>
-          <a:bodyPr/>
-          <a:lstStyle/>
-          <a:p>
-            <a:fld id="{21B4BBCE-2797-41B5-8BA4-105457AB5E7A}" type="slidenum">
-              <a:rPr lang="ko-KR" altLang="en-US" smtClean="0"/>
-              <a:t>3</a:t>
-            </a:fld>
-            <a:endParaRPr lang="ko-KR" altLang="en-US"/>
-          </a:p>
-        </p:txBody>
-      </p:sp>
-      <p:pic>
-        <p:nvPicPr>
-          <p:cNvPr id="6" name="그림 5">
-            <a:extLst>
-              <a:ext uri="{FF2B5EF4-FFF2-40B4-BE49-F238E27FC236}">
-                <a16:creationId xmlns:a16="http://schemas.microsoft.com/office/drawing/2014/main" id="{D3A5F907-FEF1-4328-A443-DC2EDBCE8978}"/>
-              </a:ext>
-            </a:extLst>
-          </p:cNvPr>
-          <p:cNvPicPr>
-            <a:picLocks noChangeAspect="1"/>
-          </p:cNvPicPr>
-          <p:nvPr/>
-        </p:nvPicPr>
-        <p:blipFill>
-          <a:blip r:embed="rId2">
-            <a:extLst>
-              <a:ext uri="{28A0092B-C50C-407E-A947-70E740481C1C}">
-                <a14:useLocalDpi xmlns:a14="http://schemas.microsoft.com/office/drawing/2010/main" val="0"/>
-              </a:ext>
-            </a:extLst>
-          </a:blip>
-          <a:stretch>
-            <a:fillRect/>
-          </a:stretch>
-        </p:blipFill>
-        <p:spPr>
-          <a:xfrm>
-            <a:off x="2450114" y="2497203"/>
-            <a:ext cx="6615680" cy="3859147"/>
-          </a:xfrm>
-          <a:prstGeom prst="rect">
-            <a:avLst/>
-          </a:prstGeom>
-        </p:spPr>
-      </p:pic>
     </p:spTree>
     <p:extLst>
       <p:ext uri="{BB962C8B-B14F-4D97-AF65-F5344CB8AC3E}">
-        <p14:creationId xmlns:p14="http://schemas.microsoft.com/office/powerpoint/2010/main" val="4261231671"/>
+        <p14:creationId xmlns:p14="http://schemas.microsoft.com/office/powerpoint/2010/main" val="1766812853"/>
       </p:ext>
     </p:extLst>
   </p:cSld>
@@ -4282,8 +4302,19 @@
                 <a:latin typeface="Gowun Batang" pitchFamily="2" charset="-127"/>
                 <a:ea typeface="Gowun Batang" pitchFamily="2" charset="-127"/>
               </a:rPr>
-              <a:t>In cap and tax scenario, CO2 emission declined.</a:t>
-            </a:r>
+              <a:t>- </a:t>
+            </a:r>
+            <a:r>
+              <a:rPr lang="en-US" altLang="ko-KR" sz="2000" dirty="0">
+                <a:latin typeface="Gowun Batang" pitchFamily="2" charset="-127"/>
+                <a:ea typeface="Gowun Batang" pitchFamily="2" charset="-127"/>
+              </a:rPr>
+              <a:t>When implementing land carbon tax, purpose-grown biomass production dramatically increases.</a:t>
+            </a:r>
+            <a:endParaRPr lang="en-US" altLang="ko-KR" sz="2800" dirty="0">
+              <a:latin typeface="Gowun Batang" pitchFamily="2" charset="-127"/>
+              <a:ea typeface="Gowun Batang" pitchFamily="2" charset="-127"/>
+            </a:endParaRPr>
           </a:p>
         </p:txBody>
       </p:sp>
@@ -4306,23 +4337,23 @@
         <p:spPr>
           <a:xfrm>
             <a:off x="416169" y="137869"/>
-            <a:ext cx="11359661" cy="811701"/>
+            <a:ext cx="11359661" cy="954107"/>
           </a:xfrm>
         </p:spPr>
         <p:txBody>
           <a:bodyPr>
-            <a:normAutofit fontScale="90000"/>
+            <a:normAutofit/>
           </a:bodyPr>
           <a:lstStyle/>
           <a:p>
             <a:r>
-              <a:rPr lang="en-US" altLang="ko-KR" sz="4400" dirty="0">
+              <a:rPr lang="en-US" altLang="ko-KR" sz="2800" dirty="0">
                 <a:latin typeface="Gowun Batang" pitchFamily="2" charset="-127"/>
                 <a:ea typeface="Gowun Batang" pitchFamily="2" charset="-127"/>
               </a:rPr>
-              <a:t>Where do CO2 emission reductions come from?</a:t>
-            </a:r>
-            <a:endParaRPr lang="ko-KR" altLang="en-US" sz="4400" dirty="0">
+              <a:t>Globally, how will bioenergy consumption change between the two policy designs? And how will cropland and forest cover change?</a:t>
+            </a:r>
+            <a:endParaRPr lang="ko-KR" altLang="en-US" sz="2800" dirty="0">
               <a:latin typeface="Gowun Batang" pitchFamily="2" charset="-127"/>
               <a:ea typeface="Gowun Batang" pitchFamily="2" charset="-127"/>
             </a:endParaRPr>
@@ -4363,7 +4394,7 @@
           <p:cNvPr id="5" name="그림 4">
             <a:extLst>
               <a:ext uri="{FF2B5EF4-FFF2-40B4-BE49-F238E27FC236}">
-                <a16:creationId xmlns:a16="http://schemas.microsoft.com/office/drawing/2014/main" id="{E6F5EBC2-1D18-4683-8D2C-C3A282BFDC13}"/>
+                <a16:creationId xmlns:a16="http://schemas.microsoft.com/office/drawing/2014/main" id="{CB3BA158-AA80-48B8-9FB7-D27E01DCC7B7}"/>
               </a:ext>
             </a:extLst>
           </p:cNvPr>
@@ -4373,31 +4404,97 @@
           <p:nvPr/>
         </p:nvPicPr>
         <p:blipFill>
-          <a:blip r:embed="rId2">
-            <a:extLst>
-              <a:ext uri="{28A0092B-C50C-407E-A947-70E740481C1C}">
-                <a14:useLocalDpi xmlns:a14="http://schemas.microsoft.com/office/drawing/2010/main" val="0"/>
-              </a:ext>
-            </a:extLst>
-          </a:blip>
+          <a:blip r:embed="rId2"/>
           <a:stretch>
             <a:fillRect/>
           </a:stretch>
         </p:blipFill>
         <p:spPr>
           <a:xfrm>
-            <a:off x="2438082" y="2088780"/>
-            <a:ext cx="7315834" cy="4267570"/>
+            <a:off x="1434355" y="2306752"/>
+            <a:ext cx="4025152" cy="4232160"/>
           </a:xfrm>
           <a:prstGeom prst="rect">
             <a:avLst/>
           </a:prstGeom>
         </p:spPr>
       </p:pic>
+      <p:sp>
+        <p:nvSpPr>
+          <p:cNvPr id="7" name="TextBox 6">
+            <a:extLst>
+              <a:ext uri="{FF2B5EF4-FFF2-40B4-BE49-F238E27FC236}">
+                <a16:creationId xmlns:a16="http://schemas.microsoft.com/office/drawing/2014/main" id="{B3855A22-89B3-4BA0-AD4E-9A3C7D721E5C}"/>
+              </a:ext>
+            </a:extLst>
+          </p:cNvPr>
+          <p:cNvSpPr txBox="1"/>
+          <p:nvPr/>
+        </p:nvSpPr>
+        <p:spPr>
+          <a:xfrm>
+            <a:off x="5244353" y="2644588"/>
+            <a:ext cx="1855694" cy="369332"/>
+          </a:xfrm>
+          <a:prstGeom prst="rect">
+            <a:avLst/>
+          </a:prstGeom>
+          <a:noFill/>
+        </p:spPr>
+        <p:txBody>
+          <a:bodyPr wrap="square" rtlCol="0">
+            <a:spAutoFit/>
+          </a:bodyPr>
+          <a:lstStyle/>
+          <a:p>
+            <a:r>
+              <a:rPr lang="en-US" altLang="ko-KR" dirty="0"/>
+              <a:t>With tax</a:t>
+            </a:r>
+            <a:endParaRPr lang="ko-KR" altLang="en-US" dirty="0"/>
+          </a:p>
+        </p:txBody>
+      </p:sp>
+      <p:sp>
+        <p:nvSpPr>
+          <p:cNvPr id="9" name="TextBox 8">
+            <a:extLst>
+              <a:ext uri="{FF2B5EF4-FFF2-40B4-BE49-F238E27FC236}">
+                <a16:creationId xmlns:a16="http://schemas.microsoft.com/office/drawing/2014/main" id="{53C8651D-3CFD-48A9-BB45-20C7BB559247}"/>
+              </a:ext>
+            </a:extLst>
+          </p:cNvPr>
+          <p:cNvSpPr txBox="1"/>
+          <p:nvPr/>
+        </p:nvSpPr>
+        <p:spPr>
+          <a:xfrm>
+            <a:off x="5351930" y="4778515"/>
+            <a:ext cx="1855694" cy="369332"/>
+          </a:xfrm>
+          <a:prstGeom prst="rect">
+            <a:avLst/>
+          </a:prstGeom>
+          <a:noFill/>
+        </p:spPr>
+        <p:txBody>
+          <a:bodyPr wrap="square" rtlCol="0">
+            <a:spAutoFit/>
+          </a:bodyPr>
+          <a:lstStyle/>
+          <a:p>
+            <a:r>
+              <a:rPr lang="en-US" altLang="ko-KR" dirty="0"/>
+              <a:t>Without tax</a:t>
+            </a:r>
+            <a:endParaRPr lang="ko-KR" altLang="en-US" dirty="0"/>
+          </a:p>
+        </p:txBody>
+      </p:sp>
     </p:spTree>
     <p:extLst>
       <p:ext uri="{BB962C8B-B14F-4D97-AF65-F5344CB8AC3E}">
-        <p14:creationId xmlns:p14="http://schemas.microsoft.com/office/powerpoint/2010/main" val="1908895646"/>
+        <p14:creationId xmlns:p14="http://schemas.microsoft.com/office/powerpoint/2010/main" val="4261231671"/>
       </p:ext>
     </p:extLst>
   </p:cSld>
@@ -4439,7 +4536,7 @@
         <p:spPr>
           <a:xfrm>
             <a:off x="416169" y="1371600"/>
-            <a:ext cx="11220018" cy="954107"/>
+            <a:ext cx="11220018" cy="523220"/>
           </a:xfrm>
           <a:prstGeom prst="rect">
             <a:avLst/>
@@ -4457,8 +4554,33 @@
                 <a:latin typeface="Gowun Batang" pitchFamily="2" charset="-127"/>
                 <a:ea typeface="Gowun Batang" pitchFamily="2" charset="-127"/>
               </a:rPr>
-              <a:t>Primary energy consumption from bioenergy and nuclear in cap and tax scenario increased.</a:t>
-            </a:r>
+              <a:t>- </a:t>
+            </a:r>
+            <a:r>
+              <a:rPr lang="en-US" altLang="ko-KR" sz="2000" dirty="0">
+                <a:latin typeface="Gowun Batang" pitchFamily="2" charset="-127"/>
+                <a:ea typeface="Gowun Batang" pitchFamily="2" charset="-127"/>
+              </a:rPr>
+              <a:t>Food demands are categorized as two, </a:t>
+            </a:r>
+            <a:r>
+              <a:rPr lang="en-US" altLang="ko-KR" sz="2000" dirty="0" err="1">
+                <a:latin typeface="Gowun Batang" pitchFamily="2" charset="-127"/>
+                <a:ea typeface="Gowun Batang" pitchFamily="2" charset="-127"/>
+              </a:rPr>
+              <a:t>NonStaple</a:t>
+            </a:r>
+            <a:r>
+              <a:rPr lang="en-US" altLang="ko-KR" sz="2000" dirty="0">
+                <a:latin typeface="Gowun Batang" pitchFamily="2" charset="-127"/>
+                <a:ea typeface="Gowun Batang" pitchFamily="2" charset="-127"/>
+              </a:rPr>
+              <a:t> and Staples. </a:t>
+            </a:r>
+            <a:endParaRPr lang="en-US" altLang="ko-KR" sz="2800" dirty="0">
+              <a:latin typeface="Gowun Batang" pitchFamily="2" charset="-127"/>
+              <a:ea typeface="Gowun Batang" pitchFamily="2" charset="-127"/>
+            </a:endParaRPr>
           </a:p>
         </p:txBody>
       </p:sp>
@@ -4481,7 +4603,7 @@
         <p:spPr>
           <a:xfrm>
             <a:off x="416169" y="137869"/>
-            <a:ext cx="11359661" cy="811701"/>
+            <a:ext cx="11359661" cy="954107"/>
           </a:xfrm>
         </p:spPr>
         <p:txBody>
@@ -4491,13 +4613,13 @@
           <a:lstStyle/>
           <a:p>
             <a:r>
-              <a:rPr lang="en-US" altLang="ko-KR" sz="4400" dirty="0">
+              <a:rPr lang="en-US" altLang="ko-KR" sz="2800" dirty="0">
                 <a:latin typeface="Gowun Batang" pitchFamily="2" charset="-127"/>
                 <a:ea typeface="Gowun Batang" pitchFamily="2" charset="-127"/>
               </a:rPr>
-              <a:t>How is energy supply decarbonized?</a:t>
-            </a:r>
-            <a:endParaRPr lang="ko-KR" altLang="en-US" sz="4400" dirty="0">
+              <a:t>Globally, how will food prices and food consumption change between the two policy designs?</a:t>
+            </a:r>
+            <a:endParaRPr lang="ko-KR" altLang="en-US" sz="2800" dirty="0">
               <a:latin typeface="Gowun Batang" pitchFamily="2" charset="-127"/>
               <a:ea typeface="Gowun Batang" pitchFamily="2" charset="-127"/>
             </a:endParaRPr>
@@ -4535,10 +4657,10 @@
       </p:sp>
       <p:pic>
         <p:nvPicPr>
-          <p:cNvPr id="10" name="그림 9">
-            <a:extLst>
-              <a:ext uri="{FF2B5EF4-FFF2-40B4-BE49-F238E27FC236}">
-                <a16:creationId xmlns:a16="http://schemas.microsoft.com/office/drawing/2014/main" id="{0757D498-9273-4A37-AF6D-3435954B0DF9}"/>
+          <p:cNvPr id="7" name="그림 6">
+            <a:extLst>
+              <a:ext uri="{FF2B5EF4-FFF2-40B4-BE49-F238E27FC236}">
+                <a16:creationId xmlns:a16="http://schemas.microsoft.com/office/drawing/2014/main" id="{8D8EF839-9440-4117-9061-9AA7268436C2}"/>
               </a:ext>
             </a:extLst>
           </p:cNvPr>
@@ -4555,8 +4677,8 @@
         </p:blipFill>
         <p:spPr>
           <a:xfrm>
-            <a:off x="2547435" y="2398918"/>
-            <a:ext cx="7097131" cy="4139994"/>
+            <a:off x="1682393" y="2438401"/>
+            <a:ext cx="7461111" cy="3706620"/>
           </a:xfrm>
           <a:prstGeom prst="rect">
             <a:avLst/>
@@ -4566,533 +4688,7 @@
     </p:spTree>
     <p:extLst>
       <p:ext uri="{BB962C8B-B14F-4D97-AF65-F5344CB8AC3E}">
-        <p14:creationId xmlns:p14="http://schemas.microsoft.com/office/powerpoint/2010/main" val="1469311576"/>
-      </p:ext>
-    </p:extLst>
-  </p:cSld>
-  <p:clrMapOvr>
-    <a:masterClrMapping/>
-  </p:clrMapOvr>
-</p:sld>
-</file>
-
-<file path=ppt/slides/slide6.xml><?xml version="1.0" encoding="utf-8"?>
-<p:sld xmlns:a="http://schemas.openxmlformats.org/drawingml/2006/main" xmlns:r="http://schemas.openxmlformats.org/officeDocument/2006/relationships" xmlns:p="http://schemas.openxmlformats.org/presentationml/2006/main">
-  <p:cSld>
-    <p:spTree>
-      <p:nvGrpSpPr>
-        <p:cNvPr id="1" name=""/>
-        <p:cNvGrpSpPr/>
-        <p:nvPr/>
-      </p:nvGrpSpPr>
-      <p:grpSpPr>
-        <a:xfrm>
-          <a:off x="0" y="0"/>
-          <a:ext cx="0" cy="0"/>
-          <a:chOff x="0" y="0"/>
-          <a:chExt cx="0" cy="0"/>
-        </a:xfrm>
-      </p:grpSpPr>
-      <p:sp>
-        <p:nvSpPr>
-          <p:cNvPr id="14" name="TextBox 13">
-            <a:extLst>
-              <a:ext uri="{FF2B5EF4-FFF2-40B4-BE49-F238E27FC236}">
-                <a16:creationId xmlns:a16="http://schemas.microsoft.com/office/drawing/2014/main" id="{0BF23D46-A077-451D-8F38-546CB2D2A729}"/>
-              </a:ext>
-            </a:extLst>
-          </p:cNvPr>
-          <p:cNvSpPr txBox="1"/>
-          <p:nvPr/>
-        </p:nvSpPr>
-        <p:spPr>
-          <a:xfrm>
-            <a:off x="416169" y="1371600"/>
-            <a:ext cx="11220018" cy="954107"/>
-          </a:xfrm>
-          <a:prstGeom prst="rect">
-            <a:avLst/>
-          </a:prstGeom>
-          <a:noFill/>
-        </p:spPr>
-        <p:txBody>
-          <a:bodyPr wrap="square" rtlCol="0">
-            <a:spAutoFit/>
-          </a:bodyPr>
-          <a:lstStyle/>
-          <a:p>
-            <a:r>
-              <a:rPr lang="en-US" altLang="ko-KR" sz="2800" dirty="0">
-                <a:latin typeface="Gowun Batang" pitchFamily="2" charset="-127"/>
-                <a:ea typeface="Gowun Batang" pitchFamily="2" charset="-127"/>
-              </a:rPr>
-              <a:t>Major CO2 emission sectors like electricity and industry showed emission decline. But transport sector has no differences.</a:t>
-            </a:r>
-          </a:p>
-        </p:txBody>
-      </p:sp>
-      <p:sp>
-        <p:nvSpPr>
-          <p:cNvPr id="2" name="제목 1">
-            <a:extLst>
-              <a:ext uri="{FF2B5EF4-FFF2-40B4-BE49-F238E27FC236}">
-                <a16:creationId xmlns:a16="http://schemas.microsoft.com/office/drawing/2014/main" id="{11D2B000-75F2-4B26-A9D4-73447CBD3863}"/>
-              </a:ext>
-            </a:extLst>
-          </p:cNvPr>
-          <p:cNvSpPr>
-            <a:spLocks noGrp="1"/>
-          </p:cNvSpPr>
-          <p:nvPr>
-            <p:ph type="ctrTitle"/>
-          </p:nvPr>
-        </p:nvSpPr>
-        <p:spPr>
-          <a:xfrm>
-            <a:off x="416169" y="137869"/>
-            <a:ext cx="11359661" cy="811701"/>
-          </a:xfrm>
-        </p:spPr>
-        <p:txBody>
-          <a:bodyPr>
-            <a:normAutofit/>
-          </a:bodyPr>
-          <a:lstStyle/>
-          <a:p>
-            <a:r>
-              <a:rPr lang="en-US" altLang="ko-KR" sz="4400" dirty="0">
-                <a:latin typeface="Gowun Batang" pitchFamily="2" charset="-127"/>
-                <a:ea typeface="Gowun Batang" pitchFamily="2" charset="-127"/>
-              </a:rPr>
-              <a:t>How are the end-use sectors decarbonized?</a:t>
-            </a:r>
-            <a:endParaRPr lang="ko-KR" altLang="en-US" sz="4400" dirty="0">
-              <a:latin typeface="Gowun Batang" pitchFamily="2" charset="-127"/>
-              <a:ea typeface="Gowun Batang" pitchFamily="2" charset="-127"/>
-            </a:endParaRPr>
-          </a:p>
-        </p:txBody>
-      </p:sp>
-      <p:sp>
-        <p:nvSpPr>
-          <p:cNvPr id="3" name="슬라이드 번호 개체 틀 2">
-            <a:extLst>
-              <a:ext uri="{FF2B5EF4-FFF2-40B4-BE49-F238E27FC236}">
-                <a16:creationId xmlns:a16="http://schemas.microsoft.com/office/drawing/2014/main" id="{22A7A6A2-15EF-4DD0-B10C-99E508935D5E}"/>
-              </a:ext>
-            </a:extLst>
-          </p:cNvPr>
-          <p:cNvSpPr>
-            <a:spLocks noGrp="1"/>
-          </p:cNvSpPr>
-          <p:nvPr>
-            <p:ph type="sldNum" sz="quarter" idx="12"/>
-          </p:nvPr>
-        </p:nvSpPr>
-        <p:spPr/>
-        <p:txBody>
-          <a:bodyPr/>
-          <a:lstStyle/>
-          <a:p>
-            <a:fld id="{21B4BBCE-2797-41B5-8BA4-105457AB5E7A}" type="slidenum">
-              <a:rPr lang="ko-KR" altLang="en-US" smtClean="0"/>
-              <a:t>6</a:t>
-            </a:fld>
-            <a:endParaRPr lang="ko-KR" altLang="en-US"/>
-          </a:p>
-        </p:txBody>
-      </p:sp>
-      <p:pic>
-        <p:nvPicPr>
-          <p:cNvPr id="5" name="그림 4">
-            <a:extLst>
-              <a:ext uri="{FF2B5EF4-FFF2-40B4-BE49-F238E27FC236}">
-                <a16:creationId xmlns:a16="http://schemas.microsoft.com/office/drawing/2014/main" id="{8D09C0A2-1A87-45D5-A2E1-FEB2ADFF9F3B}"/>
-              </a:ext>
-            </a:extLst>
-          </p:cNvPr>
-          <p:cNvPicPr>
-            <a:picLocks noChangeAspect="1"/>
-          </p:cNvPicPr>
-          <p:nvPr/>
-        </p:nvPicPr>
-        <p:blipFill>
-          <a:blip r:embed="rId2">
-            <a:extLst>
-              <a:ext uri="{28A0092B-C50C-407E-A947-70E740481C1C}">
-                <a14:useLocalDpi xmlns:a14="http://schemas.microsoft.com/office/drawing/2010/main" val="0"/>
-              </a:ext>
-            </a:extLst>
-          </a:blip>
-          <a:stretch>
-            <a:fillRect/>
-          </a:stretch>
-        </p:blipFill>
-        <p:spPr>
-          <a:xfrm>
-            <a:off x="2438083" y="2452561"/>
-            <a:ext cx="7315834" cy="4267570"/>
-          </a:xfrm>
-          <a:prstGeom prst="rect">
-            <a:avLst/>
-          </a:prstGeom>
-        </p:spPr>
-      </p:pic>
-    </p:spTree>
-    <p:extLst>
-      <p:ext uri="{BB962C8B-B14F-4D97-AF65-F5344CB8AC3E}">
-        <p14:creationId xmlns:p14="http://schemas.microsoft.com/office/powerpoint/2010/main" val="1320824097"/>
-      </p:ext>
-    </p:extLst>
-  </p:cSld>
-  <p:clrMapOvr>
-    <a:masterClrMapping/>
-  </p:clrMapOvr>
-</p:sld>
-</file>
-
-<file path=ppt/slides/slide7.xml><?xml version="1.0" encoding="utf-8"?>
-<p:sld xmlns:a="http://schemas.openxmlformats.org/drawingml/2006/main" xmlns:r="http://schemas.openxmlformats.org/officeDocument/2006/relationships" xmlns:p="http://schemas.openxmlformats.org/presentationml/2006/main">
-  <p:cSld>
-    <p:spTree>
-      <p:nvGrpSpPr>
-        <p:cNvPr id="1" name=""/>
-        <p:cNvGrpSpPr/>
-        <p:nvPr/>
-      </p:nvGrpSpPr>
-      <p:grpSpPr>
-        <a:xfrm>
-          <a:off x="0" y="0"/>
-          <a:ext cx="0" cy="0"/>
-          <a:chOff x="0" y="0"/>
-          <a:chExt cx="0" cy="0"/>
-        </a:xfrm>
-      </p:grpSpPr>
-      <p:sp>
-        <p:nvSpPr>
-          <p:cNvPr id="14" name="TextBox 13">
-            <a:extLst>
-              <a:ext uri="{FF2B5EF4-FFF2-40B4-BE49-F238E27FC236}">
-                <a16:creationId xmlns:a16="http://schemas.microsoft.com/office/drawing/2014/main" id="{0BF23D46-A077-451D-8F38-546CB2D2A729}"/>
-              </a:ext>
-            </a:extLst>
-          </p:cNvPr>
-          <p:cNvSpPr txBox="1"/>
-          <p:nvPr/>
-        </p:nvSpPr>
-        <p:spPr>
-          <a:xfrm>
-            <a:off x="416169" y="1371600"/>
-            <a:ext cx="11220018" cy="523220"/>
-          </a:xfrm>
-          <a:prstGeom prst="rect">
-            <a:avLst/>
-          </a:prstGeom>
-          <a:noFill/>
-        </p:spPr>
-        <p:txBody>
-          <a:bodyPr wrap="square" rtlCol="0">
-            <a:spAutoFit/>
-          </a:bodyPr>
-          <a:lstStyle/>
-          <a:p>
-            <a:r>
-              <a:rPr lang="en-US" altLang="ko-KR" sz="2800" dirty="0">
-                <a:latin typeface="Gowun Batang" pitchFamily="2" charset="-127"/>
-                <a:ea typeface="Gowun Batang" pitchFamily="2" charset="-127"/>
-              </a:rPr>
-              <a:t>Final energy consumption by coal declined.</a:t>
-            </a:r>
-          </a:p>
-        </p:txBody>
-      </p:sp>
-      <p:sp>
-        <p:nvSpPr>
-          <p:cNvPr id="2" name="제목 1">
-            <a:extLst>
-              <a:ext uri="{FF2B5EF4-FFF2-40B4-BE49-F238E27FC236}">
-                <a16:creationId xmlns:a16="http://schemas.microsoft.com/office/drawing/2014/main" id="{11D2B000-75F2-4B26-A9D4-73447CBD3863}"/>
-              </a:ext>
-            </a:extLst>
-          </p:cNvPr>
-          <p:cNvSpPr>
-            <a:spLocks noGrp="1"/>
-          </p:cNvSpPr>
-          <p:nvPr>
-            <p:ph type="ctrTitle"/>
-          </p:nvPr>
-        </p:nvSpPr>
-        <p:spPr>
-          <a:xfrm>
-            <a:off x="416169" y="137869"/>
-            <a:ext cx="11359661" cy="811701"/>
-          </a:xfrm>
-        </p:spPr>
-        <p:txBody>
-          <a:bodyPr>
-            <a:noAutofit/>
-          </a:bodyPr>
-          <a:lstStyle/>
-          <a:p>
-            <a:r>
-              <a:rPr lang="en-US" altLang="ko-KR" sz="3200" dirty="0">
-                <a:latin typeface="Gowun Batang" pitchFamily="2" charset="-127"/>
-                <a:ea typeface="Gowun Batang" pitchFamily="2" charset="-127"/>
-              </a:rPr>
-              <a:t>How does total energy consumption in each sector change?</a:t>
-            </a:r>
-            <a:endParaRPr lang="ko-KR" altLang="en-US" sz="3200" dirty="0">
-              <a:latin typeface="Gowun Batang" pitchFamily="2" charset="-127"/>
-              <a:ea typeface="Gowun Batang" pitchFamily="2" charset="-127"/>
-            </a:endParaRPr>
-          </a:p>
-        </p:txBody>
-      </p:sp>
-      <p:sp>
-        <p:nvSpPr>
-          <p:cNvPr id="3" name="슬라이드 번호 개체 틀 2">
-            <a:extLst>
-              <a:ext uri="{FF2B5EF4-FFF2-40B4-BE49-F238E27FC236}">
-                <a16:creationId xmlns:a16="http://schemas.microsoft.com/office/drawing/2014/main" id="{22A7A6A2-15EF-4DD0-B10C-99E508935D5E}"/>
-              </a:ext>
-            </a:extLst>
-          </p:cNvPr>
-          <p:cNvSpPr>
-            <a:spLocks noGrp="1"/>
-          </p:cNvSpPr>
-          <p:nvPr>
-            <p:ph type="sldNum" sz="quarter" idx="12"/>
-          </p:nvPr>
-        </p:nvSpPr>
-        <p:spPr/>
-        <p:txBody>
-          <a:bodyPr/>
-          <a:lstStyle/>
-          <a:p>
-            <a:fld id="{21B4BBCE-2797-41B5-8BA4-105457AB5E7A}" type="slidenum">
-              <a:rPr lang="ko-KR" altLang="en-US" smtClean="0"/>
-              <a:t>7</a:t>
-            </a:fld>
-            <a:endParaRPr lang="ko-KR" altLang="en-US"/>
-          </a:p>
-        </p:txBody>
-      </p:sp>
-      <p:pic>
-        <p:nvPicPr>
-          <p:cNvPr id="8" name="그림 7">
-            <a:extLst>
-              <a:ext uri="{FF2B5EF4-FFF2-40B4-BE49-F238E27FC236}">
-                <a16:creationId xmlns:a16="http://schemas.microsoft.com/office/drawing/2014/main" id="{60E5106C-2C73-416B-AA30-985DF5854A57}"/>
-              </a:ext>
-            </a:extLst>
-          </p:cNvPr>
-          <p:cNvPicPr>
-            <a:picLocks noChangeAspect="1"/>
-          </p:cNvPicPr>
-          <p:nvPr/>
-        </p:nvPicPr>
-        <p:blipFill>
-          <a:blip r:embed="rId2"/>
-          <a:stretch>
-            <a:fillRect/>
-          </a:stretch>
-        </p:blipFill>
-        <p:spPr>
-          <a:xfrm>
-            <a:off x="2547433" y="2398918"/>
-            <a:ext cx="7097131" cy="4139994"/>
-          </a:xfrm>
-          <a:prstGeom prst="rect">
-            <a:avLst/>
-          </a:prstGeom>
-        </p:spPr>
-      </p:pic>
-    </p:spTree>
-    <p:extLst>
-      <p:ext uri="{BB962C8B-B14F-4D97-AF65-F5344CB8AC3E}">
-        <p14:creationId xmlns:p14="http://schemas.microsoft.com/office/powerpoint/2010/main" val="802771126"/>
-      </p:ext>
-    </p:extLst>
-  </p:cSld>
-  <p:clrMapOvr>
-    <a:masterClrMapping/>
-  </p:clrMapOvr>
-</p:sld>
-</file>
-
-<file path=ppt/slides/slide8.xml><?xml version="1.0" encoding="utf-8"?>
-<p:sld xmlns:a="http://schemas.openxmlformats.org/drawingml/2006/main" xmlns:r="http://schemas.openxmlformats.org/officeDocument/2006/relationships" xmlns:p="http://schemas.openxmlformats.org/presentationml/2006/main">
-  <p:cSld>
-    <p:spTree>
-      <p:nvGrpSpPr>
-        <p:cNvPr id="1" name=""/>
-        <p:cNvGrpSpPr/>
-        <p:nvPr/>
-      </p:nvGrpSpPr>
-      <p:grpSpPr>
-        <a:xfrm>
-          <a:off x="0" y="0"/>
-          <a:ext cx="0" cy="0"/>
-          <a:chOff x="0" y="0"/>
-          <a:chExt cx="0" cy="0"/>
-        </a:xfrm>
-      </p:grpSpPr>
-      <p:sp>
-        <p:nvSpPr>
-          <p:cNvPr id="14" name="TextBox 13">
-            <a:extLst>
-              <a:ext uri="{FF2B5EF4-FFF2-40B4-BE49-F238E27FC236}">
-                <a16:creationId xmlns:a16="http://schemas.microsoft.com/office/drawing/2014/main" id="{0BF23D46-A077-451D-8F38-546CB2D2A729}"/>
-              </a:ext>
-            </a:extLst>
-          </p:cNvPr>
-          <p:cNvSpPr txBox="1"/>
-          <p:nvPr/>
-        </p:nvSpPr>
-        <p:spPr>
-          <a:xfrm>
-            <a:off x="416169" y="1371600"/>
-            <a:ext cx="11220018" cy="830997"/>
-          </a:xfrm>
-          <a:prstGeom prst="rect">
-            <a:avLst/>
-          </a:prstGeom>
-          <a:noFill/>
-        </p:spPr>
-        <p:txBody>
-          <a:bodyPr wrap="square" rtlCol="0">
-            <a:spAutoFit/>
-          </a:bodyPr>
-          <a:lstStyle/>
-          <a:p>
-            <a:r>
-              <a:rPr lang="en-US" altLang="ko-KR" sz="2400" dirty="0">
-                <a:latin typeface="Gowun Batang" pitchFamily="2" charset="-127"/>
-                <a:ea typeface="Gowun Batang" pitchFamily="2" charset="-127"/>
-              </a:rPr>
-              <a:t>Comparison between South Korea and Japan. In tax scenario, Japan shows negative CO2 emission from hydrogen and refining. From what technology???</a:t>
-            </a:r>
-          </a:p>
-        </p:txBody>
-      </p:sp>
-      <p:sp>
-        <p:nvSpPr>
-          <p:cNvPr id="2" name="제목 1">
-            <a:extLst>
-              <a:ext uri="{FF2B5EF4-FFF2-40B4-BE49-F238E27FC236}">
-                <a16:creationId xmlns:a16="http://schemas.microsoft.com/office/drawing/2014/main" id="{11D2B000-75F2-4B26-A9D4-73447CBD3863}"/>
-              </a:ext>
-            </a:extLst>
-          </p:cNvPr>
-          <p:cNvSpPr>
-            <a:spLocks noGrp="1"/>
-          </p:cNvSpPr>
-          <p:nvPr>
-            <p:ph type="ctrTitle"/>
-          </p:nvPr>
-        </p:nvSpPr>
-        <p:spPr>
-          <a:xfrm>
-            <a:off x="416169" y="336390"/>
-            <a:ext cx="11359661" cy="811701"/>
-          </a:xfrm>
-        </p:spPr>
-        <p:txBody>
-          <a:bodyPr>
-            <a:noAutofit/>
-          </a:bodyPr>
-          <a:lstStyle/>
-          <a:p>
-            <a:r>
-              <a:rPr lang="en-US" altLang="ko-KR" sz="3200" dirty="0">
-                <a:latin typeface="Gowun Batang" pitchFamily="2" charset="-127"/>
-                <a:ea typeface="Gowun Batang" pitchFamily="2" charset="-127"/>
-              </a:rPr>
-              <a:t>Are the decarbonization strategies different </a:t>
-            </a:r>
-            <a:br>
-              <a:rPr lang="en-US" altLang="ko-KR" sz="3200" dirty="0">
-                <a:latin typeface="Gowun Batang" pitchFamily="2" charset="-127"/>
-                <a:ea typeface="Gowun Batang" pitchFamily="2" charset="-127"/>
-              </a:rPr>
-            </a:br>
-            <a:r>
-              <a:rPr lang="en-US" altLang="ko-KR" sz="3200" dirty="0">
-                <a:latin typeface="Gowun Batang" pitchFamily="2" charset="-127"/>
-                <a:ea typeface="Gowun Batang" pitchFamily="2" charset="-127"/>
-              </a:rPr>
-              <a:t>between the two regions?</a:t>
-            </a:r>
-            <a:endParaRPr lang="ko-KR" altLang="en-US" sz="3200" dirty="0">
-              <a:latin typeface="Gowun Batang" pitchFamily="2" charset="-127"/>
-              <a:ea typeface="Gowun Batang" pitchFamily="2" charset="-127"/>
-            </a:endParaRPr>
-          </a:p>
-        </p:txBody>
-      </p:sp>
-      <p:sp>
-        <p:nvSpPr>
-          <p:cNvPr id="3" name="슬라이드 번호 개체 틀 2">
-            <a:extLst>
-              <a:ext uri="{FF2B5EF4-FFF2-40B4-BE49-F238E27FC236}">
-                <a16:creationId xmlns:a16="http://schemas.microsoft.com/office/drawing/2014/main" id="{22A7A6A2-15EF-4DD0-B10C-99E508935D5E}"/>
-              </a:ext>
-            </a:extLst>
-          </p:cNvPr>
-          <p:cNvSpPr>
-            <a:spLocks noGrp="1"/>
-          </p:cNvSpPr>
-          <p:nvPr>
-            <p:ph type="sldNum" sz="quarter" idx="12"/>
-          </p:nvPr>
-        </p:nvSpPr>
-        <p:spPr/>
-        <p:txBody>
-          <a:bodyPr/>
-          <a:lstStyle/>
-          <a:p>
-            <a:fld id="{21B4BBCE-2797-41B5-8BA4-105457AB5E7A}" type="slidenum">
-              <a:rPr lang="ko-KR" altLang="en-US" smtClean="0"/>
-              <a:t>8</a:t>
-            </a:fld>
-            <a:endParaRPr lang="ko-KR" altLang="en-US"/>
-          </a:p>
-        </p:txBody>
-      </p:sp>
-      <p:pic>
-        <p:nvPicPr>
-          <p:cNvPr id="7" name="그림 6">
-            <a:extLst>
-              <a:ext uri="{FF2B5EF4-FFF2-40B4-BE49-F238E27FC236}">
-                <a16:creationId xmlns:a16="http://schemas.microsoft.com/office/drawing/2014/main" id="{78B3CE48-FC3E-428B-8077-008F5F187E74}"/>
-              </a:ext>
-            </a:extLst>
-          </p:cNvPr>
-          <p:cNvPicPr>
-            <a:picLocks noChangeAspect="1"/>
-          </p:cNvPicPr>
-          <p:nvPr/>
-        </p:nvPicPr>
-        <p:blipFill>
-          <a:blip r:embed="rId2"/>
-          <a:stretch>
-            <a:fillRect/>
-          </a:stretch>
-        </p:blipFill>
-        <p:spPr>
-          <a:xfrm>
-            <a:off x="2632506" y="2451812"/>
-            <a:ext cx="7349694" cy="4160964"/>
-          </a:xfrm>
-          <a:prstGeom prst="rect">
-            <a:avLst/>
-          </a:prstGeom>
-        </p:spPr>
-      </p:pic>
-    </p:spTree>
-    <p:extLst>
-      <p:ext uri="{BB962C8B-B14F-4D97-AF65-F5344CB8AC3E}">
-        <p14:creationId xmlns:p14="http://schemas.microsoft.com/office/powerpoint/2010/main" val="4115481945"/>
+        <p14:creationId xmlns:p14="http://schemas.microsoft.com/office/powerpoint/2010/main" val="342718481"/>
       </p:ext>
     </p:extLst>
   </p:cSld>
